--- a/summary.pptx
+++ b/summary.pptx
@@ -11969,8 +11969,38 @@
                 <a:ea typeface="ヒラギノ角ゴ Pro W6" charset="-128"/>
                 <a:cs typeface="ヒラギノ角ゴ Pro W6" charset="-128"/>
               </a:rPr>
-              <a:t>出題の目的、反省点</a:t>
-            </a:r>
+              <a:t>出題の目的</a:t>
+            </a:r>
+            <a:r>
+              <a:rPr lang="ja-JP" altLang="en-US" dirty="0" smtClean="0">
+                <a:solidFill>
+                  <a:schemeClr val="bg1"/>
+                </a:solidFill>
+                <a:latin typeface="ヒラギノ角ゴ Pro W6" charset="-128"/>
+                <a:ea typeface="ヒラギノ角ゴ Pro W6" charset="-128"/>
+                <a:cs typeface="ヒラギノ角ゴ Pro W6" charset="-128"/>
+              </a:rPr>
+              <a:t>、</a:t>
+            </a:r>
+            <a:r>
+              <a:rPr lang="ja-JP" altLang="en-US" dirty="0" smtClean="0">
+                <a:solidFill>
+                  <a:schemeClr val="bg1"/>
+                </a:solidFill>
+                <a:latin typeface="ヒラギノ角ゴ Pro W6" charset="-128"/>
+                <a:ea typeface="ヒラギノ角ゴ Pro W6" charset="-128"/>
+                <a:cs typeface="ヒラギノ角ゴ Pro W6" charset="-128"/>
+              </a:rPr>
+              <a:t>範囲</a:t>
+            </a:r>
+            <a:endParaRPr lang="ja-JP" altLang="en-US" dirty="0" smtClean="0">
+              <a:solidFill>
+                <a:schemeClr val="bg1"/>
+              </a:solidFill>
+              <a:latin typeface="ヒラギノ角ゴ Pro W6" charset="-128"/>
+              <a:ea typeface="ヒラギノ角ゴ Pro W6" charset="-128"/>
+              <a:cs typeface="ヒラギノ角ゴ Pro W6" charset="-128"/>
+            </a:endParaRPr>
           </a:p>
         </p:txBody>
       </p:sp>

--- a/summary.pptx
+++ b/summary.pptx
@@ -676,18 +676,142 @@
             </a:r>
             <a:r>
               <a:rPr lang="ja-JP" altLang="en-US" dirty="0" smtClean="0"/>
-              <a:t>、バックトラック法ともいう）</a:t>
+              <a:t>、バックトラック法ともいう</a:t>
+            </a:r>
+            <a:r>
+              <a:rPr lang="ja-JP" altLang="en-US" dirty="0" smtClean="0"/>
+              <a:t>）</a:t>
             </a:r>
             <a:endParaRPr lang="en-US" altLang="ja-JP" dirty="0" smtClean="0"/>
           </a:p>
           <a:p>
             <a:r>
+              <a:rPr lang="ja-JP" altLang="en-US" b="1" dirty="0" smtClean="0"/>
+              <a:t>バックトラッキング</a:t>
+            </a:r>
+            <a:r>
+              <a:rPr lang="ja-JP" altLang="en-US" dirty="0" smtClean="0"/>
+              <a:t>（</a:t>
+            </a:r>
+            <a:r>
+              <a:rPr lang="en-US" altLang="ja-JP" dirty="0" smtClean="0"/>
+              <a:t>backtracking</a:t>
+            </a:r>
+            <a:r>
+              <a:rPr lang="ja-JP" altLang="en-US" dirty="0" smtClean="0"/>
+              <a:t>）は、</a:t>
+            </a:r>
+            <a:r>
+              <a:rPr lang="ja-JP" altLang="en-US" dirty="0" smtClean="0">
+                <a:hlinkClick r:id="rId4" tooltip="制約充足問題"/>
+              </a:rPr>
+              <a:t>制約充足問題</a:t>
+            </a:r>
+            <a:r>
+              <a:rPr lang="ja-JP" altLang="en-US" dirty="0" smtClean="0"/>
+              <a:t>の解を探索する戦略の一種で、</a:t>
+            </a:r>
+            <a:r>
+              <a:rPr lang="ja-JP" altLang="en-US" dirty="0" smtClean="0">
+                <a:hlinkClick r:id="rId5" tooltip="力まかせ探索"/>
+              </a:rPr>
+              <a:t>力まかせ探索</a:t>
+            </a:r>
+            <a:r>
+              <a:rPr lang="ja-JP" altLang="en-US" dirty="0" smtClean="0"/>
+              <a:t>を改良したもの</a:t>
+            </a:r>
+            <a:endParaRPr lang="en-US" altLang="ja-JP" dirty="0" smtClean="0"/>
+          </a:p>
+          <a:p>
+            <a:r>
+              <a:rPr lang="ja-JP" altLang="en-US" dirty="0" smtClean="0"/>
+              <a:t>バックトラッキングのアルゴリズムは、単に正しい解を得るまで可能な組み合わせを試していくだけであり、一種の</a:t>
+            </a:r>
+            <a:r>
+              <a:rPr lang="ja-JP" altLang="en-US" dirty="0" smtClean="0">
+                <a:hlinkClick r:id="rId6" tooltip="深さ優先探索"/>
+              </a:rPr>
+              <a:t>深さ優先探索</a:t>
+            </a:r>
+            <a:r>
+              <a:rPr lang="ja-JP" altLang="en-US" dirty="0" smtClean="0"/>
+              <a:t>である。探索の際、ある組み合わせが解でなかったなら、探索木をたどって戻り別の組み合わせを試す。その組み合わせを試しても解でなかった場合、さらに探索木を戻り、新たな組み合わせを試す。探索木を全部サーチしたとき、探索は失敗して終了する。</a:t>
+            </a:r>
+            <a:endParaRPr lang="en-US" altLang="ja-JP" dirty="0" smtClean="0"/>
+          </a:p>
+          <a:p>
+            <a:r>
               <a:rPr kumimoji="1" lang="ja-JP" altLang="en-US" dirty="0" smtClean="0"/>
-              <a:t>村岡さんはこの方法をきちんと実装しました</a:t>
+              <a:t>村岡さんはこの方法</a:t>
+            </a:r>
+            <a:r>
+              <a:rPr kumimoji="1" lang="ja-JP" altLang="en-US" dirty="0" smtClean="0"/>
+              <a:t>を実装</a:t>
+            </a:r>
+            <a:r>
+              <a:rPr kumimoji="1" lang="ja-JP" altLang="en-US" dirty="0" smtClean="0"/>
+              <a:t>しました</a:t>
             </a:r>
             <a:r>
               <a:rPr kumimoji="1" lang="en-US" altLang="ja-JP" dirty="0" smtClean="0"/>
               <a:t>｡</a:t>
+            </a:r>
+          </a:p>
+          <a:p>
+            <a:r>
+              <a:rPr lang="ja-JP" altLang="en-US" b="1" dirty="0" smtClean="0"/>
+              <a:t>力まかせ探索</a:t>
+            </a:r>
+            <a:r>
+              <a:rPr lang="ja-JP" altLang="en-US" dirty="0" smtClean="0"/>
+              <a:t>（ちからまかせたんさく、</a:t>
+            </a:r>
+            <a:r>
+              <a:rPr lang="ja-JP" altLang="en-US" dirty="0" smtClean="0">
+                <a:hlinkClick r:id="rId3" tooltip="英語"/>
+              </a:rPr>
+              <a:t>英</a:t>
+            </a:r>
+            <a:r>
+              <a:rPr lang="en-US" altLang="ja-JP" dirty="0" smtClean="0"/>
+              <a:t>: Brute-force search</a:t>
+            </a:r>
+            <a:r>
+              <a:rPr lang="ja-JP" altLang="en-US" dirty="0" smtClean="0"/>
+              <a:t>）または</a:t>
+            </a:r>
+            <a:r>
+              <a:rPr lang="ja-JP" altLang="en-US" b="1" dirty="0" smtClean="0"/>
+              <a:t>しらみつぶし探索</a:t>
+            </a:r>
+            <a:r>
+              <a:rPr lang="ja-JP" altLang="en-US" dirty="0" smtClean="0"/>
+              <a:t>（</a:t>
+            </a:r>
+            <a:r>
+              <a:rPr lang="ja-JP" altLang="en-US" dirty="0" smtClean="0">
+                <a:hlinkClick r:id="rId3" tooltip="英語"/>
+              </a:rPr>
+              <a:t>英</a:t>
+            </a:r>
+            <a:r>
+              <a:rPr lang="en-US" altLang="ja-JP" dirty="0" smtClean="0"/>
+              <a:t>: Exhaustive search</a:t>
+            </a:r>
+            <a:r>
+              <a:rPr lang="ja-JP" altLang="en-US" dirty="0" smtClean="0"/>
+              <a:t>）は、単純だが非常に汎用的な</a:t>
+            </a:r>
+            <a:r>
+              <a:rPr lang="ja-JP" altLang="en-US" dirty="0" smtClean="0">
+                <a:hlinkClick r:id="rId7" tooltip="計算機科学"/>
+              </a:rPr>
+              <a:t>計算機科学</a:t>
+            </a:r>
+            <a:r>
+              <a:rPr lang="ja-JP" altLang="en-US" dirty="0" smtClean="0"/>
+              <a:t>の問題解決法であり、全ての可能性のある解の候補を体系的に数えあげ、それぞれの解候補が問題の解となるかをチェックする方法である。</a:t>
             </a:r>
             <a:endParaRPr kumimoji="1" lang="ja-JP" altLang="en-US" dirty="0"/>
           </a:p>
@@ -11969,38 +12093,8 @@
                 <a:ea typeface="ヒラギノ角ゴ Pro W6" charset="-128"/>
                 <a:cs typeface="ヒラギノ角ゴ Pro W6" charset="-128"/>
               </a:rPr>
-              <a:t>出題の目的</a:t>
-            </a:r>
-            <a:r>
-              <a:rPr lang="ja-JP" altLang="en-US" dirty="0" smtClean="0">
-                <a:solidFill>
-                  <a:schemeClr val="bg1"/>
-                </a:solidFill>
-                <a:latin typeface="ヒラギノ角ゴ Pro W6" charset="-128"/>
-                <a:ea typeface="ヒラギノ角ゴ Pro W6" charset="-128"/>
-                <a:cs typeface="ヒラギノ角ゴ Pro W6" charset="-128"/>
-              </a:rPr>
-              <a:t>、</a:t>
-            </a:r>
-            <a:r>
-              <a:rPr lang="ja-JP" altLang="en-US" dirty="0" smtClean="0">
-                <a:solidFill>
-                  <a:schemeClr val="bg1"/>
-                </a:solidFill>
-                <a:latin typeface="ヒラギノ角ゴ Pro W6" charset="-128"/>
-                <a:ea typeface="ヒラギノ角ゴ Pro W6" charset="-128"/>
-                <a:cs typeface="ヒラギノ角ゴ Pro W6" charset="-128"/>
-              </a:rPr>
-              <a:t>範囲</a:t>
-            </a:r>
-            <a:endParaRPr lang="ja-JP" altLang="en-US" dirty="0" smtClean="0">
-              <a:solidFill>
-                <a:schemeClr val="bg1"/>
-              </a:solidFill>
-              <a:latin typeface="ヒラギノ角ゴ Pro W6" charset="-128"/>
-              <a:ea typeface="ヒラギノ角ゴ Pro W6" charset="-128"/>
-              <a:cs typeface="ヒラギノ角ゴ Pro W6" charset="-128"/>
-            </a:endParaRPr>
+              <a:t>出題の目的、範囲</a:t>
+            </a:r>
           </a:p>
         </p:txBody>
       </p:sp>
